--- a/manuscript/Figures/UND_EFF_TradEPFs.pptx
+++ b/manuscript/Figures/UND_EFF_TradEPFs.pptx
@@ -2,12 +2,12 @@
 <file path=ppt/presentation.xml><?xml version="1.0" encoding="utf-8"?>
 <p:presentation xmlns:a="http://schemas.openxmlformats.org/drawingml/2006/main" xmlns:r="http://schemas.openxmlformats.org/officeDocument/2006/relationships" xmlns:p="http://schemas.openxmlformats.org/presentationml/2006/main" saveSubsetFonts="1">
   <p:sldMasterIdLst>
-    <p:sldMasterId id="2147483720" r:id="rId1"/>
+    <p:sldMasterId id="2147483732" r:id="rId1"/>
   </p:sldMasterIdLst>
   <p:sldIdLst>
     <p:sldId id="260" r:id="rId2"/>
   </p:sldIdLst>
-  <p:sldSz cx="2411413" cy="2160588"/>
+  <p:sldSz cx="2268538" cy="2232025"/>
   <p:notesSz cx="6858000" cy="9144000"/>
   <p:defaultTextStyle>
     <a:defPPr>
@@ -107,12 +107,12 @@
   <p:extLst>
     <p:ext uri="{EFAFB233-063F-42B5-8137-9DF3F51BA10A}">
       <p15:sldGuideLst xmlns:p15="http://schemas.microsoft.com/office/powerpoint/2012/main">
-        <p15:guide id="1" orient="horz" pos="681" userDrawn="1">
+        <p15:guide id="1" orient="horz" pos="704" userDrawn="1">
           <p15:clr>
             <a:srgbClr val="A4A3A4"/>
           </p15:clr>
         </p15:guide>
-        <p15:guide id="2" pos="760" userDrawn="1">
+        <p15:guide id="2" pos="715" userDrawn="1">
           <p15:clr>
             <a:srgbClr val="A4A3A4"/>
           </p15:clr>
@@ -2218,15 +2218,15 @@
         </p:nvSpPr>
         <p:spPr>
           <a:xfrm>
-            <a:off x="180856" y="353596"/>
-            <a:ext cx="2049701" cy="752205"/>
+            <a:off x="170141" y="365288"/>
+            <a:ext cx="1928257" cy="777075"/>
           </a:xfrm>
         </p:spPr>
         <p:txBody>
           <a:bodyPr anchor="b"/>
           <a:lstStyle>
             <a:lvl1pPr algn="ctr">
-              <a:defRPr sz="1582"/>
+              <a:defRPr sz="1489"/>
             </a:lvl1pPr>
           </a:lstStyle>
           <a:p>
@@ -2250,8 +2250,8 @@
         </p:nvSpPr>
         <p:spPr>
           <a:xfrm>
-            <a:off x="301427" y="1134809"/>
-            <a:ext cx="1808560" cy="521642"/>
+            <a:off x="283567" y="1172330"/>
+            <a:ext cx="1701404" cy="538889"/>
           </a:xfrm>
         </p:spPr>
         <p:txBody>
@@ -2259,39 +2259,39 @@
           <a:lstStyle>
             <a:lvl1pPr marL="0" indent="0" algn="ctr">
               <a:buNone/>
-              <a:defRPr sz="633"/>
+              <a:defRPr sz="595"/>
             </a:lvl1pPr>
-            <a:lvl2pPr marL="120564" indent="0" algn="ctr">
+            <a:lvl2pPr marL="113431" indent="0" algn="ctr">
               <a:buNone/>
-              <a:defRPr sz="527"/>
+              <a:defRPr sz="496"/>
             </a:lvl2pPr>
-            <a:lvl3pPr marL="241127" indent="0" algn="ctr">
+            <a:lvl3pPr marL="226863" indent="0" algn="ctr">
               <a:buNone/>
-              <a:defRPr sz="475"/>
+              <a:defRPr sz="447"/>
             </a:lvl3pPr>
-            <a:lvl4pPr marL="361691" indent="0" algn="ctr">
+            <a:lvl4pPr marL="340294" indent="0" algn="ctr">
               <a:buNone/>
-              <a:defRPr sz="422"/>
+              <a:defRPr sz="397"/>
             </a:lvl4pPr>
-            <a:lvl5pPr marL="482255" indent="0" algn="ctr">
+            <a:lvl5pPr marL="453725" indent="0" algn="ctr">
               <a:buNone/>
-              <a:defRPr sz="422"/>
+              <a:defRPr sz="397"/>
             </a:lvl5pPr>
-            <a:lvl6pPr marL="602818" indent="0" algn="ctr">
+            <a:lvl6pPr marL="567157" indent="0" algn="ctr">
               <a:buNone/>
-              <a:defRPr sz="422"/>
+              <a:defRPr sz="397"/>
             </a:lvl6pPr>
-            <a:lvl7pPr marL="723382" indent="0" algn="ctr">
+            <a:lvl7pPr marL="680588" indent="0" algn="ctr">
               <a:buNone/>
-              <a:defRPr sz="422"/>
+              <a:defRPr sz="397"/>
             </a:lvl7pPr>
-            <a:lvl8pPr marL="843945" indent="0" algn="ctr">
+            <a:lvl8pPr marL="794019" indent="0" algn="ctr">
               <a:buNone/>
-              <a:defRPr sz="422"/>
+              <a:defRPr sz="397"/>
             </a:lvl8pPr>
-            <a:lvl9pPr marL="964509" indent="0" algn="ctr">
+            <a:lvl9pPr marL="907451" indent="0" algn="ctr">
               <a:buNone/>
-              <a:defRPr sz="422"/>
+              <a:defRPr sz="397"/>
             </a:lvl9pPr>
           </a:lstStyle>
           <a:p>
@@ -2371,7 +2371,7 @@
     </p:spTree>
     <p:extLst>
       <p:ext uri="{BB962C8B-B14F-4D97-AF65-F5344CB8AC3E}">
-        <p14:creationId xmlns:p14="http://schemas.microsoft.com/office/powerpoint/2010/main" val="966544345"/>
+        <p14:creationId xmlns:p14="http://schemas.microsoft.com/office/powerpoint/2010/main" val="3844075408"/>
       </p:ext>
     </p:extLst>
   </p:cSld>
@@ -2541,7 +2541,7 @@
     </p:spTree>
     <p:extLst>
       <p:ext uri="{BB962C8B-B14F-4D97-AF65-F5344CB8AC3E}">
-        <p14:creationId xmlns:p14="http://schemas.microsoft.com/office/powerpoint/2010/main" val="2326546610"/>
+        <p14:creationId xmlns:p14="http://schemas.microsoft.com/office/powerpoint/2010/main" val="460180457"/>
       </p:ext>
     </p:extLst>
   </p:cSld>
@@ -2580,8 +2580,8 @@
         </p:nvSpPr>
         <p:spPr>
           <a:xfrm>
-            <a:off x="1725668" y="115032"/>
-            <a:ext cx="519961" cy="1830998"/>
+            <a:off x="1623422" y="118835"/>
+            <a:ext cx="489154" cy="1891538"/>
           </a:xfrm>
         </p:spPr>
         <p:txBody>
@@ -2608,8 +2608,8 @@
         </p:nvSpPr>
         <p:spPr>
           <a:xfrm>
-            <a:off x="165785" y="115032"/>
-            <a:ext cx="1529740" cy="1830998"/>
+            <a:off x="155962" y="118835"/>
+            <a:ext cx="1439104" cy="1891538"/>
           </a:xfrm>
         </p:spPr>
         <p:txBody>
@@ -2721,7 +2721,7 @@
     </p:spTree>
     <p:extLst>
       <p:ext uri="{BB962C8B-B14F-4D97-AF65-F5344CB8AC3E}">
-        <p14:creationId xmlns:p14="http://schemas.microsoft.com/office/powerpoint/2010/main" val="56195227"/>
+        <p14:creationId xmlns:p14="http://schemas.microsoft.com/office/powerpoint/2010/main" val="4236369252"/>
       </p:ext>
     </p:extLst>
   </p:cSld>
@@ -2891,7 +2891,7 @@
     </p:spTree>
     <p:extLst>
       <p:ext uri="{BB962C8B-B14F-4D97-AF65-F5344CB8AC3E}">
-        <p14:creationId xmlns:p14="http://schemas.microsoft.com/office/powerpoint/2010/main" val="3713306376"/>
+        <p14:creationId xmlns:p14="http://schemas.microsoft.com/office/powerpoint/2010/main" val="3116451608"/>
       </p:ext>
     </p:extLst>
   </p:cSld>
@@ -2930,15 +2930,15 @@
         </p:nvSpPr>
         <p:spPr>
           <a:xfrm>
-            <a:off x="164529" y="538647"/>
-            <a:ext cx="2079844" cy="898744"/>
+            <a:off x="154781" y="556457"/>
+            <a:ext cx="1956614" cy="928460"/>
           </a:xfrm>
         </p:spPr>
         <p:txBody>
           <a:bodyPr anchor="b"/>
           <a:lstStyle>
             <a:lvl1pPr>
-              <a:defRPr sz="1582"/>
+              <a:defRPr sz="1489"/>
             </a:lvl1pPr>
           </a:lstStyle>
           <a:p>
@@ -2962,8 +2962,8 @@
         </p:nvSpPr>
         <p:spPr>
           <a:xfrm>
-            <a:off x="164529" y="1445894"/>
-            <a:ext cx="2079844" cy="472628"/>
+            <a:off x="154781" y="1493701"/>
+            <a:ext cx="1956614" cy="488255"/>
           </a:xfrm>
         </p:spPr>
         <p:txBody>
@@ -2971,15 +2971,15 @@
           <a:lstStyle>
             <a:lvl1pPr marL="0" indent="0">
               <a:buNone/>
-              <a:defRPr sz="633">
+              <a:defRPr sz="595">
                 <a:solidFill>
                   <a:schemeClr val="tx1"/>
                 </a:solidFill>
               </a:defRPr>
             </a:lvl1pPr>
-            <a:lvl2pPr marL="120564" indent="0">
+            <a:lvl2pPr marL="113431" indent="0">
               <a:buNone/>
-              <a:defRPr sz="527">
+              <a:defRPr sz="496">
                 <a:solidFill>
                   <a:schemeClr val="tx1">
                     <a:tint val="75000"/>
@@ -2987,9 +2987,9 @@
                 </a:solidFill>
               </a:defRPr>
             </a:lvl2pPr>
-            <a:lvl3pPr marL="241127" indent="0">
+            <a:lvl3pPr marL="226863" indent="0">
               <a:buNone/>
-              <a:defRPr sz="475">
+              <a:defRPr sz="447">
                 <a:solidFill>
                   <a:schemeClr val="tx1">
                     <a:tint val="75000"/>
@@ -2997,9 +2997,9 @@
                 </a:solidFill>
               </a:defRPr>
             </a:lvl3pPr>
-            <a:lvl4pPr marL="361691" indent="0">
+            <a:lvl4pPr marL="340294" indent="0">
               <a:buNone/>
-              <a:defRPr sz="422">
+              <a:defRPr sz="397">
                 <a:solidFill>
                   <a:schemeClr val="tx1">
                     <a:tint val="75000"/>
@@ -3007,9 +3007,9 @@
                 </a:solidFill>
               </a:defRPr>
             </a:lvl4pPr>
-            <a:lvl5pPr marL="482255" indent="0">
+            <a:lvl5pPr marL="453725" indent="0">
               <a:buNone/>
-              <a:defRPr sz="422">
+              <a:defRPr sz="397">
                 <a:solidFill>
                   <a:schemeClr val="tx1">
                     <a:tint val="75000"/>
@@ -3017,9 +3017,9 @@
                 </a:solidFill>
               </a:defRPr>
             </a:lvl5pPr>
-            <a:lvl6pPr marL="602818" indent="0">
+            <a:lvl6pPr marL="567157" indent="0">
               <a:buNone/>
-              <a:defRPr sz="422">
+              <a:defRPr sz="397">
                 <a:solidFill>
                   <a:schemeClr val="tx1">
                     <a:tint val="75000"/>
@@ -3027,9 +3027,9 @@
                 </a:solidFill>
               </a:defRPr>
             </a:lvl6pPr>
-            <a:lvl7pPr marL="723382" indent="0">
+            <a:lvl7pPr marL="680588" indent="0">
               <a:buNone/>
-              <a:defRPr sz="422">
+              <a:defRPr sz="397">
                 <a:solidFill>
                   <a:schemeClr val="tx1">
                     <a:tint val="75000"/>
@@ -3037,9 +3037,9 @@
                 </a:solidFill>
               </a:defRPr>
             </a:lvl7pPr>
-            <a:lvl8pPr marL="843945" indent="0">
+            <a:lvl8pPr marL="794019" indent="0">
               <a:buNone/>
-              <a:defRPr sz="422">
+              <a:defRPr sz="397">
                 <a:solidFill>
                   <a:schemeClr val="tx1">
                     <a:tint val="75000"/>
@@ -3047,9 +3047,9 @@
                 </a:solidFill>
               </a:defRPr>
             </a:lvl8pPr>
-            <a:lvl9pPr marL="964509" indent="0">
+            <a:lvl9pPr marL="907451" indent="0">
               <a:buNone/>
-              <a:defRPr sz="422">
+              <a:defRPr sz="397">
                 <a:solidFill>
                   <a:schemeClr val="tx1">
                     <a:tint val="75000"/>
@@ -3135,7 +3135,7 @@
     </p:spTree>
     <p:extLst>
       <p:ext uri="{BB962C8B-B14F-4D97-AF65-F5344CB8AC3E}">
-        <p14:creationId xmlns:p14="http://schemas.microsoft.com/office/powerpoint/2010/main" val="501733597"/>
+        <p14:creationId xmlns:p14="http://schemas.microsoft.com/office/powerpoint/2010/main" val="3276853455"/>
       </p:ext>
     </p:extLst>
   </p:cSld>
@@ -3197,8 +3197,8 @@
         </p:nvSpPr>
         <p:spPr>
           <a:xfrm>
-            <a:off x="165784" y="575157"/>
-            <a:ext cx="1024851" cy="1370873"/>
+            <a:off x="155962" y="594174"/>
+            <a:ext cx="964129" cy="1416199"/>
           </a:xfrm>
         </p:spPr>
         <p:txBody>
@@ -3254,8 +3254,8 @@
         </p:nvSpPr>
         <p:spPr>
           <a:xfrm>
-            <a:off x="1220778" y="575157"/>
-            <a:ext cx="1024851" cy="1370873"/>
+            <a:off x="1148447" y="594174"/>
+            <a:ext cx="964129" cy="1416199"/>
           </a:xfrm>
         </p:spPr>
         <p:txBody>
@@ -3367,7 +3367,7 @@
     </p:spTree>
     <p:extLst>
       <p:ext uri="{BB962C8B-B14F-4D97-AF65-F5344CB8AC3E}">
-        <p14:creationId xmlns:p14="http://schemas.microsoft.com/office/powerpoint/2010/main" val="2373036774"/>
+        <p14:creationId xmlns:p14="http://schemas.microsoft.com/office/powerpoint/2010/main" val="432266850"/>
       </p:ext>
     </p:extLst>
   </p:cSld>
@@ -3406,8 +3406,8 @@
         </p:nvSpPr>
         <p:spPr>
           <a:xfrm>
-            <a:off x="166099" y="115032"/>
-            <a:ext cx="2079844" cy="417614"/>
+            <a:off x="156257" y="118835"/>
+            <a:ext cx="1956614" cy="431422"/>
           </a:xfrm>
         </p:spPr>
         <p:txBody>
@@ -3434,8 +3434,8 @@
         </p:nvSpPr>
         <p:spPr>
           <a:xfrm>
-            <a:off x="166099" y="529645"/>
-            <a:ext cx="1020141" cy="259570"/>
+            <a:off x="156258" y="547156"/>
+            <a:ext cx="959698" cy="268153"/>
           </a:xfrm>
         </p:spPr>
         <p:txBody>
@@ -3443,39 +3443,39 @@
           <a:lstStyle>
             <a:lvl1pPr marL="0" indent="0">
               <a:buNone/>
-              <a:defRPr sz="633" b="1"/>
+              <a:defRPr sz="595" b="1"/>
             </a:lvl1pPr>
-            <a:lvl2pPr marL="120564" indent="0">
+            <a:lvl2pPr marL="113431" indent="0">
               <a:buNone/>
-              <a:defRPr sz="527" b="1"/>
+              <a:defRPr sz="496" b="1"/>
             </a:lvl2pPr>
-            <a:lvl3pPr marL="241127" indent="0">
+            <a:lvl3pPr marL="226863" indent="0">
               <a:buNone/>
-              <a:defRPr sz="475" b="1"/>
+              <a:defRPr sz="447" b="1"/>
             </a:lvl3pPr>
-            <a:lvl4pPr marL="361691" indent="0">
+            <a:lvl4pPr marL="340294" indent="0">
               <a:buNone/>
-              <a:defRPr sz="422" b="1"/>
+              <a:defRPr sz="397" b="1"/>
             </a:lvl4pPr>
-            <a:lvl5pPr marL="482255" indent="0">
+            <a:lvl5pPr marL="453725" indent="0">
               <a:buNone/>
-              <a:defRPr sz="422" b="1"/>
+              <a:defRPr sz="397" b="1"/>
             </a:lvl5pPr>
-            <a:lvl6pPr marL="602818" indent="0">
+            <a:lvl6pPr marL="567157" indent="0">
               <a:buNone/>
-              <a:defRPr sz="422" b="1"/>
+              <a:defRPr sz="397" b="1"/>
             </a:lvl6pPr>
-            <a:lvl7pPr marL="723382" indent="0">
+            <a:lvl7pPr marL="680588" indent="0">
               <a:buNone/>
-              <a:defRPr sz="422" b="1"/>
+              <a:defRPr sz="397" b="1"/>
             </a:lvl7pPr>
-            <a:lvl8pPr marL="843945" indent="0">
+            <a:lvl8pPr marL="794019" indent="0">
               <a:buNone/>
-              <a:defRPr sz="422" b="1"/>
+              <a:defRPr sz="397" b="1"/>
             </a:lvl8pPr>
-            <a:lvl9pPr marL="964509" indent="0">
+            <a:lvl9pPr marL="907451" indent="0">
               <a:buNone/>
-              <a:defRPr sz="422" b="1"/>
+              <a:defRPr sz="397" b="1"/>
             </a:lvl9pPr>
           </a:lstStyle>
           <a:p>
@@ -3499,8 +3499,8 @@
         </p:nvSpPr>
         <p:spPr>
           <a:xfrm>
-            <a:off x="166099" y="789215"/>
-            <a:ext cx="1020141" cy="1160816"/>
+            <a:off x="156258" y="815309"/>
+            <a:ext cx="959698" cy="1199197"/>
           </a:xfrm>
         </p:spPr>
         <p:txBody>
@@ -3556,8 +3556,8 @@
         </p:nvSpPr>
         <p:spPr>
           <a:xfrm>
-            <a:off x="1220778" y="529645"/>
-            <a:ext cx="1025165" cy="259570"/>
+            <a:off x="1148448" y="547156"/>
+            <a:ext cx="964424" cy="268153"/>
           </a:xfrm>
         </p:spPr>
         <p:txBody>
@@ -3565,39 +3565,39 @@
           <a:lstStyle>
             <a:lvl1pPr marL="0" indent="0">
               <a:buNone/>
-              <a:defRPr sz="633" b="1"/>
+              <a:defRPr sz="595" b="1"/>
             </a:lvl1pPr>
-            <a:lvl2pPr marL="120564" indent="0">
+            <a:lvl2pPr marL="113431" indent="0">
               <a:buNone/>
-              <a:defRPr sz="527" b="1"/>
+              <a:defRPr sz="496" b="1"/>
             </a:lvl2pPr>
-            <a:lvl3pPr marL="241127" indent="0">
+            <a:lvl3pPr marL="226863" indent="0">
               <a:buNone/>
-              <a:defRPr sz="475" b="1"/>
+              <a:defRPr sz="447" b="1"/>
             </a:lvl3pPr>
-            <a:lvl4pPr marL="361691" indent="0">
+            <a:lvl4pPr marL="340294" indent="0">
               <a:buNone/>
-              <a:defRPr sz="422" b="1"/>
+              <a:defRPr sz="397" b="1"/>
             </a:lvl4pPr>
-            <a:lvl5pPr marL="482255" indent="0">
+            <a:lvl5pPr marL="453725" indent="0">
               <a:buNone/>
-              <a:defRPr sz="422" b="1"/>
+              <a:defRPr sz="397" b="1"/>
             </a:lvl5pPr>
-            <a:lvl6pPr marL="602818" indent="0">
+            <a:lvl6pPr marL="567157" indent="0">
               <a:buNone/>
-              <a:defRPr sz="422" b="1"/>
+              <a:defRPr sz="397" b="1"/>
             </a:lvl6pPr>
-            <a:lvl7pPr marL="723382" indent="0">
+            <a:lvl7pPr marL="680588" indent="0">
               <a:buNone/>
-              <a:defRPr sz="422" b="1"/>
+              <a:defRPr sz="397" b="1"/>
             </a:lvl7pPr>
-            <a:lvl8pPr marL="843945" indent="0">
+            <a:lvl8pPr marL="794019" indent="0">
               <a:buNone/>
-              <a:defRPr sz="422" b="1"/>
+              <a:defRPr sz="397" b="1"/>
             </a:lvl8pPr>
-            <a:lvl9pPr marL="964509" indent="0">
+            <a:lvl9pPr marL="907451" indent="0">
               <a:buNone/>
-              <a:defRPr sz="422" b="1"/>
+              <a:defRPr sz="397" b="1"/>
             </a:lvl9pPr>
           </a:lstStyle>
           <a:p>
@@ -3621,8 +3621,8 @@
         </p:nvSpPr>
         <p:spPr>
           <a:xfrm>
-            <a:off x="1220778" y="789215"/>
-            <a:ext cx="1025165" cy="1160816"/>
+            <a:off x="1148448" y="815309"/>
+            <a:ext cx="964424" cy="1199197"/>
           </a:xfrm>
         </p:spPr>
         <p:txBody>
@@ -3734,7 +3734,7 @@
     </p:spTree>
     <p:extLst>
       <p:ext uri="{BB962C8B-B14F-4D97-AF65-F5344CB8AC3E}">
-        <p14:creationId xmlns:p14="http://schemas.microsoft.com/office/powerpoint/2010/main" val="3496689967"/>
+        <p14:creationId xmlns:p14="http://schemas.microsoft.com/office/powerpoint/2010/main" val="207832990"/>
       </p:ext>
     </p:extLst>
   </p:cSld>
@@ -3852,7 +3852,7 @@
     </p:spTree>
     <p:extLst>
       <p:ext uri="{BB962C8B-B14F-4D97-AF65-F5344CB8AC3E}">
-        <p14:creationId xmlns:p14="http://schemas.microsoft.com/office/powerpoint/2010/main" val="1030245091"/>
+        <p14:creationId xmlns:p14="http://schemas.microsoft.com/office/powerpoint/2010/main" val="2314409082"/>
       </p:ext>
     </p:extLst>
   </p:cSld>
@@ -3947,7 +3947,7 @@
     </p:spTree>
     <p:extLst>
       <p:ext uri="{BB962C8B-B14F-4D97-AF65-F5344CB8AC3E}">
-        <p14:creationId xmlns:p14="http://schemas.microsoft.com/office/powerpoint/2010/main" val="1703299497"/>
+        <p14:creationId xmlns:p14="http://schemas.microsoft.com/office/powerpoint/2010/main" val="206063524"/>
       </p:ext>
     </p:extLst>
   </p:cSld>
@@ -3986,15 +3986,15 @@
         </p:nvSpPr>
         <p:spPr>
           <a:xfrm>
-            <a:off x="166099" y="144039"/>
-            <a:ext cx="777743" cy="504137"/>
+            <a:off x="156257" y="148802"/>
+            <a:ext cx="731663" cy="520806"/>
           </a:xfrm>
         </p:spPr>
         <p:txBody>
           <a:bodyPr anchor="b"/>
           <a:lstStyle>
             <a:lvl1pPr>
-              <a:defRPr sz="844"/>
+              <a:defRPr sz="794"/>
             </a:lvl1pPr>
           </a:lstStyle>
           <a:p>
@@ -4018,39 +4018,39 @@
         </p:nvSpPr>
         <p:spPr>
           <a:xfrm>
-            <a:off x="1025165" y="311085"/>
-            <a:ext cx="1220778" cy="1535418"/>
+            <a:off x="964424" y="321371"/>
+            <a:ext cx="1148447" cy="1586184"/>
           </a:xfrm>
         </p:spPr>
         <p:txBody>
           <a:bodyPr/>
           <a:lstStyle>
             <a:lvl1pPr>
-              <a:defRPr sz="844"/>
+              <a:defRPr sz="794"/>
             </a:lvl1pPr>
             <a:lvl2pPr>
-              <a:defRPr sz="738"/>
+              <a:defRPr sz="695"/>
             </a:lvl2pPr>
             <a:lvl3pPr>
-              <a:defRPr sz="633"/>
+              <a:defRPr sz="595"/>
             </a:lvl3pPr>
             <a:lvl4pPr>
-              <a:defRPr sz="527"/>
+              <a:defRPr sz="496"/>
             </a:lvl4pPr>
             <a:lvl5pPr>
-              <a:defRPr sz="527"/>
+              <a:defRPr sz="496"/>
             </a:lvl5pPr>
             <a:lvl6pPr>
-              <a:defRPr sz="527"/>
+              <a:defRPr sz="496"/>
             </a:lvl6pPr>
             <a:lvl7pPr>
-              <a:defRPr sz="527"/>
+              <a:defRPr sz="496"/>
             </a:lvl7pPr>
             <a:lvl8pPr>
-              <a:defRPr sz="527"/>
+              <a:defRPr sz="496"/>
             </a:lvl8pPr>
             <a:lvl9pPr>
-              <a:defRPr sz="527"/>
+              <a:defRPr sz="496"/>
             </a:lvl9pPr>
           </a:lstStyle>
           <a:p>
@@ -4103,8 +4103,8 @@
         </p:nvSpPr>
         <p:spPr>
           <a:xfrm>
-            <a:off x="166099" y="648176"/>
-            <a:ext cx="777743" cy="1200827"/>
+            <a:off x="156257" y="669607"/>
+            <a:ext cx="731663" cy="1240531"/>
           </a:xfrm>
         </p:spPr>
         <p:txBody>
@@ -4112,39 +4112,39 @@
           <a:lstStyle>
             <a:lvl1pPr marL="0" indent="0">
               <a:buNone/>
-              <a:defRPr sz="422"/>
+              <a:defRPr sz="397"/>
             </a:lvl1pPr>
-            <a:lvl2pPr marL="120564" indent="0">
+            <a:lvl2pPr marL="113431" indent="0">
               <a:buNone/>
-              <a:defRPr sz="369"/>
+              <a:defRPr sz="347"/>
             </a:lvl2pPr>
-            <a:lvl3pPr marL="241127" indent="0">
+            <a:lvl3pPr marL="226863" indent="0">
               <a:buNone/>
-              <a:defRPr sz="316"/>
+              <a:defRPr sz="298"/>
             </a:lvl3pPr>
-            <a:lvl4pPr marL="361691" indent="0">
+            <a:lvl4pPr marL="340294" indent="0">
               <a:buNone/>
-              <a:defRPr sz="264"/>
+              <a:defRPr sz="248"/>
             </a:lvl4pPr>
-            <a:lvl5pPr marL="482255" indent="0">
+            <a:lvl5pPr marL="453725" indent="0">
               <a:buNone/>
-              <a:defRPr sz="264"/>
+              <a:defRPr sz="248"/>
             </a:lvl5pPr>
-            <a:lvl6pPr marL="602818" indent="0">
+            <a:lvl6pPr marL="567157" indent="0">
               <a:buNone/>
-              <a:defRPr sz="264"/>
+              <a:defRPr sz="248"/>
             </a:lvl6pPr>
-            <a:lvl7pPr marL="723382" indent="0">
+            <a:lvl7pPr marL="680588" indent="0">
               <a:buNone/>
-              <a:defRPr sz="264"/>
+              <a:defRPr sz="248"/>
             </a:lvl7pPr>
-            <a:lvl8pPr marL="843945" indent="0">
+            <a:lvl8pPr marL="794019" indent="0">
               <a:buNone/>
-              <a:defRPr sz="264"/>
+              <a:defRPr sz="248"/>
             </a:lvl8pPr>
-            <a:lvl9pPr marL="964509" indent="0">
+            <a:lvl9pPr marL="907451" indent="0">
               <a:buNone/>
-              <a:defRPr sz="264"/>
+              <a:defRPr sz="248"/>
             </a:lvl9pPr>
           </a:lstStyle>
           <a:p>
@@ -4224,7 +4224,7 @@
     </p:spTree>
     <p:extLst>
       <p:ext uri="{BB962C8B-B14F-4D97-AF65-F5344CB8AC3E}">
-        <p14:creationId xmlns:p14="http://schemas.microsoft.com/office/powerpoint/2010/main" val="629600556"/>
+        <p14:creationId xmlns:p14="http://schemas.microsoft.com/office/powerpoint/2010/main" val="3126561771"/>
       </p:ext>
     </p:extLst>
   </p:cSld>
@@ -4263,15 +4263,15 @@
         </p:nvSpPr>
         <p:spPr>
           <a:xfrm>
-            <a:off x="166099" y="144039"/>
-            <a:ext cx="777743" cy="504137"/>
+            <a:off x="156257" y="148802"/>
+            <a:ext cx="731663" cy="520806"/>
           </a:xfrm>
         </p:spPr>
         <p:txBody>
           <a:bodyPr anchor="b"/>
           <a:lstStyle>
             <a:lvl1pPr>
-              <a:defRPr sz="844"/>
+              <a:defRPr sz="794"/>
             </a:lvl1pPr>
           </a:lstStyle>
           <a:p>
@@ -4295,8 +4295,8 @@
         </p:nvSpPr>
         <p:spPr>
           <a:xfrm>
-            <a:off x="1025165" y="311085"/>
-            <a:ext cx="1220778" cy="1535418"/>
+            <a:off x="964424" y="321371"/>
+            <a:ext cx="1148447" cy="1586184"/>
           </a:xfrm>
         </p:spPr>
         <p:txBody>
@@ -4304,39 +4304,39 @@
           <a:lstStyle>
             <a:lvl1pPr marL="0" indent="0">
               <a:buNone/>
-              <a:defRPr sz="844"/>
+              <a:defRPr sz="794"/>
             </a:lvl1pPr>
-            <a:lvl2pPr marL="120564" indent="0">
+            <a:lvl2pPr marL="113431" indent="0">
               <a:buNone/>
-              <a:defRPr sz="738"/>
+              <a:defRPr sz="695"/>
             </a:lvl2pPr>
-            <a:lvl3pPr marL="241127" indent="0">
+            <a:lvl3pPr marL="226863" indent="0">
               <a:buNone/>
-              <a:defRPr sz="633"/>
+              <a:defRPr sz="595"/>
             </a:lvl3pPr>
-            <a:lvl4pPr marL="361691" indent="0">
+            <a:lvl4pPr marL="340294" indent="0">
               <a:buNone/>
-              <a:defRPr sz="527"/>
+              <a:defRPr sz="496"/>
             </a:lvl4pPr>
-            <a:lvl5pPr marL="482255" indent="0">
+            <a:lvl5pPr marL="453725" indent="0">
               <a:buNone/>
-              <a:defRPr sz="527"/>
+              <a:defRPr sz="496"/>
             </a:lvl5pPr>
-            <a:lvl6pPr marL="602818" indent="0">
+            <a:lvl6pPr marL="567157" indent="0">
               <a:buNone/>
-              <a:defRPr sz="527"/>
+              <a:defRPr sz="496"/>
             </a:lvl6pPr>
-            <a:lvl7pPr marL="723382" indent="0">
+            <a:lvl7pPr marL="680588" indent="0">
               <a:buNone/>
-              <a:defRPr sz="527"/>
+              <a:defRPr sz="496"/>
             </a:lvl7pPr>
-            <a:lvl8pPr marL="843945" indent="0">
+            <a:lvl8pPr marL="794019" indent="0">
               <a:buNone/>
-              <a:defRPr sz="527"/>
+              <a:defRPr sz="496"/>
             </a:lvl8pPr>
-            <a:lvl9pPr marL="964509" indent="0">
+            <a:lvl9pPr marL="907451" indent="0">
               <a:buNone/>
-              <a:defRPr sz="527"/>
+              <a:defRPr sz="496"/>
             </a:lvl9pPr>
           </a:lstStyle>
           <a:p>
@@ -4360,8 +4360,8 @@
         </p:nvSpPr>
         <p:spPr>
           <a:xfrm>
-            <a:off x="166099" y="648176"/>
-            <a:ext cx="777743" cy="1200827"/>
+            <a:off x="156257" y="669607"/>
+            <a:ext cx="731663" cy="1240531"/>
           </a:xfrm>
         </p:spPr>
         <p:txBody>
@@ -4369,39 +4369,39 @@
           <a:lstStyle>
             <a:lvl1pPr marL="0" indent="0">
               <a:buNone/>
-              <a:defRPr sz="422"/>
+              <a:defRPr sz="397"/>
             </a:lvl1pPr>
-            <a:lvl2pPr marL="120564" indent="0">
+            <a:lvl2pPr marL="113431" indent="0">
               <a:buNone/>
-              <a:defRPr sz="369"/>
+              <a:defRPr sz="347"/>
             </a:lvl2pPr>
-            <a:lvl3pPr marL="241127" indent="0">
+            <a:lvl3pPr marL="226863" indent="0">
               <a:buNone/>
-              <a:defRPr sz="316"/>
+              <a:defRPr sz="298"/>
             </a:lvl3pPr>
-            <a:lvl4pPr marL="361691" indent="0">
+            <a:lvl4pPr marL="340294" indent="0">
               <a:buNone/>
-              <a:defRPr sz="264"/>
+              <a:defRPr sz="248"/>
             </a:lvl4pPr>
-            <a:lvl5pPr marL="482255" indent="0">
+            <a:lvl5pPr marL="453725" indent="0">
               <a:buNone/>
-              <a:defRPr sz="264"/>
+              <a:defRPr sz="248"/>
             </a:lvl5pPr>
-            <a:lvl6pPr marL="602818" indent="0">
+            <a:lvl6pPr marL="567157" indent="0">
               <a:buNone/>
-              <a:defRPr sz="264"/>
+              <a:defRPr sz="248"/>
             </a:lvl6pPr>
-            <a:lvl7pPr marL="723382" indent="0">
+            <a:lvl7pPr marL="680588" indent="0">
               <a:buNone/>
-              <a:defRPr sz="264"/>
+              <a:defRPr sz="248"/>
             </a:lvl7pPr>
-            <a:lvl8pPr marL="843945" indent="0">
+            <a:lvl8pPr marL="794019" indent="0">
               <a:buNone/>
-              <a:defRPr sz="264"/>
+              <a:defRPr sz="248"/>
             </a:lvl8pPr>
-            <a:lvl9pPr marL="964509" indent="0">
+            <a:lvl9pPr marL="907451" indent="0">
               <a:buNone/>
-              <a:defRPr sz="264"/>
+              <a:defRPr sz="248"/>
             </a:lvl9pPr>
           </a:lstStyle>
           <a:p>
@@ -4481,7 +4481,7 @@
     </p:spTree>
     <p:extLst>
       <p:ext uri="{BB962C8B-B14F-4D97-AF65-F5344CB8AC3E}">
-        <p14:creationId xmlns:p14="http://schemas.microsoft.com/office/powerpoint/2010/main" val="3627995600"/>
+        <p14:creationId xmlns:p14="http://schemas.microsoft.com/office/powerpoint/2010/main" val="1066875628"/>
       </p:ext>
     </p:extLst>
   </p:cSld>
@@ -4525,8 +4525,8 @@
         </p:nvSpPr>
         <p:spPr>
           <a:xfrm>
-            <a:off x="165785" y="115032"/>
-            <a:ext cx="2079844" cy="417614"/>
+            <a:off x="155962" y="118835"/>
+            <a:ext cx="1956614" cy="431422"/>
           </a:xfrm>
           <a:prstGeom prst="rect">
             <a:avLst/>
@@ -4558,8 +4558,8 @@
         </p:nvSpPr>
         <p:spPr>
           <a:xfrm>
-            <a:off x="165785" y="575157"/>
-            <a:ext cx="2079844" cy="1370873"/>
+            <a:off x="155962" y="594174"/>
+            <a:ext cx="1956614" cy="1416199"/>
           </a:xfrm>
           <a:prstGeom prst="rect">
             <a:avLst/>
@@ -4620,8 +4620,8 @@
         </p:nvSpPr>
         <p:spPr>
           <a:xfrm>
-            <a:off x="165785" y="2002546"/>
-            <a:ext cx="542568" cy="115031"/>
+            <a:off x="155962" y="2068757"/>
+            <a:ext cx="510421" cy="118835"/>
           </a:xfrm>
           <a:prstGeom prst="rect">
             <a:avLst/>
@@ -4631,7 +4631,7 @@
           <a:bodyPr vert="horz" lIns="91440" tIns="45720" rIns="91440" bIns="45720" rtlCol="0" anchor="ctr"/>
           <a:lstStyle>
             <a:lvl1pPr algn="l">
-              <a:defRPr sz="316">
+              <a:defRPr sz="298">
                 <a:solidFill>
                   <a:schemeClr val="tx1">
                     <a:tint val="75000"/>
@@ -4661,8 +4661,8 @@
         </p:nvSpPr>
         <p:spPr>
           <a:xfrm>
-            <a:off x="798781" y="2002546"/>
-            <a:ext cx="813852" cy="115031"/>
+            <a:off x="751453" y="2068757"/>
+            <a:ext cx="765632" cy="118835"/>
           </a:xfrm>
           <a:prstGeom prst="rect">
             <a:avLst/>
@@ -4672,7 +4672,7 @@
           <a:bodyPr vert="horz" lIns="91440" tIns="45720" rIns="91440" bIns="45720" rtlCol="0" anchor="ctr"/>
           <a:lstStyle>
             <a:lvl1pPr algn="ctr">
-              <a:defRPr sz="316">
+              <a:defRPr sz="298">
                 <a:solidFill>
                   <a:schemeClr val="tx1">
                     <a:tint val="75000"/>
@@ -4698,8 +4698,8 @@
         </p:nvSpPr>
         <p:spPr>
           <a:xfrm>
-            <a:off x="1703060" y="2002546"/>
-            <a:ext cx="542568" cy="115031"/>
+            <a:off x="1602155" y="2068757"/>
+            <a:ext cx="510421" cy="118835"/>
           </a:xfrm>
           <a:prstGeom prst="rect">
             <a:avLst/>
@@ -4709,7 +4709,7 @@
           <a:bodyPr vert="horz" lIns="91440" tIns="45720" rIns="91440" bIns="45720" rtlCol="0" anchor="ctr"/>
           <a:lstStyle>
             <a:lvl1pPr algn="r">
-              <a:defRPr sz="316">
+              <a:defRPr sz="298">
                 <a:solidFill>
                   <a:schemeClr val="tx1">
                     <a:tint val="75000"/>
@@ -4730,27 +4730,27 @@
     </p:spTree>
     <p:extLst>
       <p:ext uri="{BB962C8B-B14F-4D97-AF65-F5344CB8AC3E}">
-        <p14:creationId xmlns:p14="http://schemas.microsoft.com/office/powerpoint/2010/main" val="3303071680"/>
+        <p14:creationId xmlns:p14="http://schemas.microsoft.com/office/powerpoint/2010/main" val="3065177324"/>
       </p:ext>
     </p:extLst>
   </p:cSld>
   <p:clrMap bg1="lt1" tx1="dk1" bg2="lt2" tx2="dk2" accent1="accent1" accent2="accent2" accent3="accent3" accent4="accent4" accent5="accent5" accent6="accent6" hlink="hlink" folHlink="folHlink"/>
   <p:sldLayoutIdLst>
-    <p:sldLayoutId id="2147483721" r:id="rId1"/>
-    <p:sldLayoutId id="2147483722" r:id="rId2"/>
-    <p:sldLayoutId id="2147483723" r:id="rId3"/>
-    <p:sldLayoutId id="2147483724" r:id="rId4"/>
-    <p:sldLayoutId id="2147483725" r:id="rId5"/>
-    <p:sldLayoutId id="2147483726" r:id="rId6"/>
-    <p:sldLayoutId id="2147483727" r:id="rId7"/>
-    <p:sldLayoutId id="2147483728" r:id="rId8"/>
-    <p:sldLayoutId id="2147483729" r:id="rId9"/>
-    <p:sldLayoutId id="2147483730" r:id="rId10"/>
-    <p:sldLayoutId id="2147483731" r:id="rId11"/>
+    <p:sldLayoutId id="2147483733" r:id="rId1"/>
+    <p:sldLayoutId id="2147483734" r:id="rId2"/>
+    <p:sldLayoutId id="2147483735" r:id="rId3"/>
+    <p:sldLayoutId id="2147483736" r:id="rId4"/>
+    <p:sldLayoutId id="2147483737" r:id="rId5"/>
+    <p:sldLayoutId id="2147483738" r:id="rId6"/>
+    <p:sldLayoutId id="2147483739" r:id="rId7"/>
+    <p:sldLayoutId id="2147483740" r:id="rId8"/>
+    <p:sldLayoutId id="2147483741" r:id="rId9"/>
+    <p:sldLayoutId id="2147483742" r:id="rId10"/>
+    <p:sldLayoutId id="2147483743" r:id="rId11"/>
   </p:sldLayoutIdLst>
   <p:txStyles>
     <p:titleStyle>
-      <a:lvl1pPr algn="l" defTabSz="241127" rtl="0" eaLnBrk="1" latinLnBrk="0" hangingPunct="1">
+      <a:lvl1pPr algn="l" defTabSz="226863" rtl="0" eaLnBrk="1" latinLnBrk="0" hangingPunct="1">
         <a:lnSpc>
           <a:spcPct val="90000"/>
         </a:lnSpc>
@@ -4758,7 +4758,7 @@
           <a:spcPct val="0"/>
         </a:spcBef>
         <a:buNone/>
-        <a:defRPr sz="1160" kern="1200">
+        <a:defRPr sz="1092" kern="1200">
           <a:solidFill>
             <a:schemeClr val="tx1"/>
           </a:solidFill>
@@ -4769,16 +4769,16 @@
       </a:lvl1pPr>
     </p:titleStyle>
     <p:bodyStyle>
-      <a:lvl1pPr marL="60282" indent="-60282" algn="l" defTabSz="241127" rtl="0" eaLnBrk="1" latinLnBrk="0" hangingPunct="1">
+      <a:lvl1pPr marL="56716" indent="-56716" algn="l" defTabSz="226863" rtl="0" eaLnBrk="1" latinLnBrk="0" hangingPunct="1">
         <a:lnSpc>
           <a:spcPct val="90000"/>
         </a:lnSpc>
         <a:spcBef>
-          <a:spcPts val="264"/>
+          <a:spcPts val="248"/>
         </a:spcBef>
         <a:buFont typeface="Arial" panose="020B0604020202020204" pitchFamily="34" charset="0"/>
         <a:buChar char="•"/>
-        <a:defRPr sz="738" kern="1200">
+        <a:defRPr sz="695" kern="1200">
           <a:solidFill>
             <a:schemeClr val="tx1"/>
           </a:solidFill>
@@ -4787,16 +4787,16 @@
           <a:cs typeface="+mn-cs"/>
         </a:defRPr>
       </a:lvl1pPr>
-      <a:lvl2pPr marL="180845" indent="-60282" algn="l" defTabSz="241127" rtl="0" eaLnBrk="1" latinLnBrk="0" hangingPunct="1">
+      <a:lvl2pPr marL="170147" indent="-56716" algn="l" defTabSz="226863" rtl="0" eaLnBrk="1" latinLnBrk="0" hangingPunct="1">
         <a:lnSpc>
           <a:spcPct val="90000"/>
         </a:lnSpc>
         <a:spcBef>
-          <a:spcPts val="132"/>
+          <a:spcPts val="124"/>
         </a:spcBef>
         <a:buFont typeface="Arial" panose="020B0604020202020204" pitchFamily="34" charset="0"/>
         <a:buChar char="•"/>
-        <a:defRPr sz="633" kern="1200">
+        <a:defRPr sz="595" kern="1200">
           <a:solidFill>
             <a:schemeClr val="tx1"/>
           </a:solidFill>
@@ -4805,16 +4805,16 @@
           <a:cs typeface="+mn-cs"/>
         </a:defRPr>
       </a:lvl2pPr>
-      <a:lvl3pPr marL="301409" indent="-60282" algn="l" defTabSz="241127" rtl="0" eaLnBrk="1" latinLnBrk="0" hangingPunct="1">
+      <a:lvl3pPr marL="283578" indent="-56716" algn="l" defTabSz="226863" rtl="0" eaLnBrk="1" latinLnBrk="0" hangingPunct="1">
         <a:lnSpc>
           <a:spcPct val="90000"/>
         </a:lnSpc>
         <a:spcBef>
-          <a:spcPts val="132"/>
+          <a:spcPts val="124"/>
         </a:spcBef>
         <a:buFont typeface="Arial" panose="020B0604020202020204" pitchFamily="34" charset="0"/>
         <a:buChar char="•"/>
-        <a:defRPr sz="527" kern="1200">
+        <a:defRPr sz="496" kern="1200">
           <a:solidFill>
             <a:schemeClr val="tx1"/>
           </a:solidFill>
@@ -4823,16 +4823,16 @@
           <a:cs typeface="+mn-cs"/>
         </a:defRPr>
       </a:lvl3pPr>
-      <a:lvl4pPr marL="421973" indent="-60282" algn="l" defTabSz="241127" rtl="0" eaLnBrk="1" latinLnBrk="0" hangingPunct="1">
+      <a:lvl4pPr marL="397010" indent="-56716" algn="l" defTabSz="226863" rtl="0" eaLnBrk="1" latinLnBrk="0" hangingPunct="1">
         <a:lnSpc>
           <a:spcPct val="90000"/>
         </a:lnSpc>
         <a:spcBef>
-          <a:spcPts val="132"/>
+          <a:spcPts val="124"/>
         </a:spcBef>
         <a:buFont typeface="Arial" panose="020B0604020202020204" pitchFamily="34" charset="0"/>
         <a:buChar char="•"/>
-        <a:defRPr sz="475" kern="1200">
+        <a:defRPr sz="447" kern="1200">
           <a:solidFill>
             <a:schemeClr val="tx1"/>
           </a:solidFill>
@@ -4841,16 +4841,16 @@
           <a:cs typeface="+mn-cs"/>
         </a:defRPr>
       </a:lvl4pPr>
-      <a:lvl5pPr marL="542536" indent="-60282" algn="l" defTabSz="241127" rtl="0" eaLnBrk="1" latinLnBrk="0" hangingPunct="1">
+      <a:lvl5pPr marL="510441" indent="-56716" algn="l" defTabSz="226863" rtl="0" eaLnBrk="1" latinLnBrk="0" hangingPunct="1">
         <a:lnSpc>
           <a:spcPct val="90000"/>
         </a:lnSpc>
         <a:spcBef>
-          <a:spcPts val="132"/>
+          <a:spcPts val="124"/>
         </a:spcBef>
         <a:buFont typeface="Arial" panose="020B0604020202020204" pitchFamily="34" charset="0"/>
         <a:buChar char="•"/>
-        <a:defRPr sz="475" kern="1200">
+        <a:defRPr sz="447" kern="1200">
           <a:solidFill>
             <a:schemeClr val="tx1"/>
           </a:solidFill>
@@ -4859,16 +4859,16 @@
           <a:cs typeface="+mn-cs"/>
         </a:defRPr>
       </a:lvl5pPr>
-      <a:lvl6pPr marL="663100" indent="-60282" algn="l" defTabSz="241127" rtl="0" eaLnBrk="1" latinLnBrk="0" hangingPunct="1">
+      <a:lvl6pPr marL="623872" indent="-56716" algn="l" defTabSz="226863" rtl="0" eaLnBrk="1" latinLnBrk="0" hangingPunct="1">
         <a:lnSpc>
           <a:spcPct val="90000"/>
         </a:lnSpc>
         <a:spcBef>
-          <a:spcPts val="132"/>
+          <a:spcPts val="124"/>
         </a:spcBef>
         <a:buFont typeface="Arial" panose="020B0604020202020204" pitchFamily="34" charset="0"/>
         <a:buChar char="•"/>
-        <a:defRPr sz="475" kern="1200">
+        <a:defRPr sz="447" kern="1200">
           <a:solidFill>
             <a:schemeClr val="tx1"/>
           </a:solidFill>
@@ -4877,16 +4877,16 @@
           <a:cs typeface="+mn-cs"/>
         </a:defRPr>
       </a:lvl6pPr>
-      <a:lvl7pPr marL="783664" indent="-60282" algn="l" defTabSz="241127" rtl="0" eaLnBrk="1" latinLnBrk="0" hangingPunct="1">
+      <a:lvl7pPr marL="737304" indent="-56716" algn="l" defTabSz="226863" rtl="0" eaLnBrk="1" latinLnBrk="0" hangingPunct="1">
         <a:lnSpc>
           <a:spcPct val="90000"/>
         </a:lnSpc>
         <a:spcBef>
-          <a:spcPts val="132"/>
+          <a:spcPts val="124"/>
         </a:spcBef>
         <a:buFont typeface="Arial" panose="020B0604020202020204" pitchFamily="34" charset="0"/>
         <a:buChar char="•"/>
-        <a:defRPr sz="475" kern="1200">
+        <a:defRPr sz="447" kern="1200">
           <a:solidFill>
             <a:schemeClr val="tx1"/>
           </a:solidFill>
@@ -4895,16 +4895,16 @@
           <a:cs typeface="+mn-cs"/>
         </a:defRPr>
       </a:lvl7pPr>
-      <a:lvl8pPr marL="904227" indent="-60282" algn="l" defTabSz="241127" rtl="0" eaLnBrk="1" latinLnBrk="0" hangingPunct="1">
+      <a:lvl8pPr marL="850735" indent="-56716" algn="l" defTabSz="226863" rtl="0" eaLnBrk="1" latinLnBrk="0" hangingPunct="1">
         <a:lnSpc>
           <a:spcPct val="90000"/>
         </a:lnSpc>
         <a:spcBef>
-          <a:spcPts val="132"/>
+          <a:spcPts val="124"/>
         </a:spcBef>
         <a:buFont typeface="Arial" panose="020B0604020202020204" pitchFamily="34" charset="0"/>
         <a:buChar char="•"/>
-        <a:defRPr sz="475" kern="1200">
+        <a:defRPr sz="447" kern="1200">
           <a:solidFill>
             <a:schemeClr val="tx1"/>
           </a:solidFill>
@@ -4913,16 +4913,16 @@
           <a:cs typeface="+mn-cs"/>
         </a:defRPr>
       </a:lvl8pPr>
-      <a:lvl9pPr marL="1024791" indent="-60282" algn="l" defTabSz="241127" rtl="0" eaLnBrk="1" latinLnBrk="0" hangingPunct="1">
+      <a:lvl9pPr marL="964166" indent="-56716" algn="l" defTabSz="226863" rtl="0" eaLnBrk="1" latinLnBrk="0" hangingPunct="1">
         <a:lnSpc>
           <a:spcPct val="90000"/>
         </a:lnSpc>
         <a:spcBef>
-          <a:spcPts val="132"/>
+          <a:spcPts val="124"/>
         </a:spcBef>
         <a:buFont typeface="Arial" panose="020B0604020202020204" pitchFamily="34" charset="0"/>
         <a:buChar char="•"/>
-        <a:defRPr sz="475" kern="1200">
+        <a:defRPr sz="447" kern="1200">
           <a:solidFill>
             <a:schemeClr val="tx1"/>
           </a:solidFill>
@@ -4936,8 +4936,8 @@
       <a:defPPr>
         <a:defRPr lang="en-US"/>
       </a:defPPr>
-      <a:lvl1pPr marL="0" algn="l" defTabSz="241127" rtl="0" eaLnBrk="1" latinLnBrk="0" hangingPunct="1">
-        <a:defRPr sz="475" kern="1200">
+      <a:lvl1pPr marL="0" algn="l" defTabSz="226863" rtl="0" eaLnBrk="1" latinLnBrk="0" hangingPunct="1">
+        <a:defRPr sz="447" kern="1200">
           <a:solidFill>
             <a:schemeClr val="tx1"/>
           </a:solidFill>
@@ -4946,8 +4946,8 @@
           <a:cs typeface="+mn-cs"/>
         </a:defRPr>
       </a:lvl1pPr>
-      <a:lvl2pPr marL="120564" algn="l" defTabSz="241127" rtl="0" eaLnBrk="1" latinLnBrk="0" hangingPunct="1">
-        <a:defRPr sz="475" kern="1200">
+      <a:lvl2pPr marL="113431" algn="l" defTabSz="226863" rtl="0" eaLnBrk="1" latinLnBrk="0" hangingPunct="1">
+        <a:defRPr sz="447" kern="1200">
           <a:solidFill>
             <a:schemeClr val="tx1"/>
           </a:solidFill>
@@ -4956,8 +4956,8 @@
           <a:cs typeface="+mn-cs"/>
         </a:defRPr>
       </a:lvl2pPr>
-      <a:lvl3pPr marL="241127" algn="l" defTabSz="241127" rtl="0" eaLnBrk="1" latinLnBrk="0" hangingPunct="1">
-        <a:defRPr sz="475" kern="1200">
+      <a:lvl3pPr marL="226863" algn="l" defTabSz="226863" rtl="0" eaLnBrk="1" latinLnBrk="0" hangingPunct="1">
+        <a:defRPr sz="447" kern="1200">
           <a:solidFill>
             <a:schemeClr val="tx1"/>
           </a:solidFill>
@@ -4966,8 +4966,8 @@
           <a:cs typeface="+mn-cs"/>
         </a:defRPr>
       </a:lvl3pPr>
-      <a:lvl4pPr marL="361691" algn="l" defTabSz="241127" rtl="0" eaLnBrk="1" latinLnBrk="0" hangingPunct="1">
-        <a:defRPr sz="475" kern="1200">
+      <a:lvl4pPr marL="340294" algn="l" defTabSz="226863" rtl="0" eaLnBrk="1" latinLnBrk="0" hangingPunct="1">
+        <a:defRPr sz="447" kern="1200">
           <a:solidFill>
             <a:schemeClr val="tx1"/>
           </a:solidFill>
@@ -4976,8 +4976,8 @@
           <a:cs typeface="+mn-cs"/>
         </a:defRPr>
       </a:lvl4pPr>
-      <a:lvl5pPr marL="482255" algn="l" defTabSz="241127" rtl="0" eaLnBrk="1" latinLnBrk="0" hangingPunct="1">
-        <a:defRPr sz="475" kern="1200">
+      <a:lvl5pPr marL="453725" algn="l" defTabSz="226863" rtl="0" eaLnBrk="1" latinLnBrk="0" hangingPunct="1">
+        <a:defRPr sz="447" kern="1200">
           <a:solidFill>
             <a:schemeClr val="tx1"/>
           </a:solidFill>
@@ -4986,8 +4986,8 @@
           <a:cs typeface="+mn-cs"/>
         </a:defRPr>
       </a:lvl5pPr>
-      <a:lvl6pPr marL="602818" algn="l" defTabSz="241127" rtl="0" eaLnBrk="1" latinLnBrk="0" hangingPunct="1">
-        <a:defRPr sz="475" kern="1200">
+      <a:lvl6pPr marL="567157" algn="l" defTabSz="226863" rtl="0" eaLnBrk="1" latinLnBrk="0" hangingPunct="1">
+        <a:defRPr sz="447" kern="1200">
           <a:solidFill>
             <a:schemeClr val="tx1"/>
           </a:solidFill>
@@ -4996,8 +4996,8 @@
           <a:cs typeface="+mn-cs"/>
         </a:defRPr>
       </a:lvl6pPr>
-      <a:lvl7pPr marL="723382" algn="l" defTabSz="241127" rtl="0" eaLnBrk="1" latinLnBrk="0" hangingPunct="1">
-        <a:defRPr sz="475" kern="1200">
+      <a:lvl7pPr marL="680588" algn="l" defTabSz="226863" rtl="0" eaLnBrk="1" latinLnBrk="0" hangingPunct="1">
+        <a:defRPr sz="447" kern="1200">
           <a:solidFill>
             <a:schemeClr val="tx1"/>
           </a:solidFill>
@@ -5006,8 +5006,8 @@
           <a:cs typeface="+mn-cs"/>
         </a:defRPr>
       </a:lvl7pPr>
-      <a:lvl8pPr marL="843945" algn="l" defTabSz="241127" rtl="0" eaLnBrk="1" latinLnBrk="0" hangingPunct="1">
-        <a:defRPr sz="475" kern="1200">
+      <a:lvl8pPr marL="794019" algn="l" defTabSz="226863" rtl="0" eaLnBrk="1" latinLnBrk="0" hangingPunct="1">
+        <a:defRPr sz="447" kern="1200">
           <a:solidFill>
             <a:schemeClr val="tx1"/>
           </a:solidFill>
@@ -5016,8 +5016,8 @@
           <a:cs typeface="+mn-cs"/>
         </a:defRPr>
       </a:lvl8pPr>
-      <a:lvl9pPr marL="964509" algn="l" defTabSz="241127" rtl="0" eaLnBrk="1" latinLnBrk="0" hangingPunct="1">
-        <a:defRPr sz="475" kern="1200">
+      <a:lvl9pPr marL="907451" algn="l" defTabSz="226863" rtl="0" eaLnBrk="1" latinLnBrk="0" hangingPunct="1">
+        <a:defRPr sz="447" kern="1200">
           <a:solidFill>
             <a:schemeClr val="tx1"/>
           </a:solidFill>
@@ -5050,10 +5050,10 @@
       </p:grpSpPr>
       <p:sp>
         <p:nvSpPr>
-          <p:cNvPr id="54" name="Isosceles Triangle 53">
+          <p:cNvPr id="42" name="Isosceles Triangle 41">
             <a:extLst>
               <a:ext uri="{FF2B5EF4-FFF2-40B4-BE49-F238E27FC236}">
-                <a16:creationId xmlns:a16="http://schemas.microsoft.com/office/drawing/2014/main" id="{ADFDC3BB-DDC2-4F5C-9446-0D0C28963F47}"/>
+                <a16:creationId xmlns:a16="http://schemas.microsoft.com/office/drawing/2014/main" id="{2C85EB1A-CD51-4420-8240-2CDF8690A81B}"/>
               </a:ext>
             </a:extLst>
           </p:cNvPr>
@@ -5062,7 +5062,7 @@
         </p:nvSpPr>
         <p:spPr>
           <a:xfrm flipH="1" flipV="1">
-            <a:off x="242510" y="400760"/>
+            <a:off x="245368" y="386470"/>
             <a:ext cx="1555294" cy="1600093"/>
           </a:xfrm>
           <a:prstGeom prst="triangle">
@@ -5109,10 +5109,10 @@
       </p:sp>
       <p:cxnSp>
         <p:nvCxnSpPr>
-          <p:cNvPr id="56" name="Straight Arrow Connector 55">
+          <p:cNvPr id="43" name="Straight Arrow Connector 42">
             <a:extLst>
               <a:ext uri="{FF2B5EF4-FFF2-40B4-BE49-F238E27FC236}">
-                <a16:creationId xmlns:a16="http://schemas.microsoft.com/office/drawing/2014/main" id="{7CCECD99-89BD-4EFB-8E16-63A7DA3B2A9C}"/>
+                <a16:creationId xmlns:a16="http://schemas.microsoft.com/office/drawing/2014/main" id="{905B5CF9-822C-474F-9EE9-3AFFC696C22A}"/>
               </a:ext>
             </a:extLst>
           </p:cNvPr>
@@ -5123,7 +5123,7 @@
         </p:nvCxnSpPr>
         <p:spPr>
           <a:xfrm flipV="1">
-            <a:off x="244891" y="110324"/>
+            <a:off x="247749" y="96034"/>
             <a:ext cx="5892" cy="1890530"/>
           </a:xfrm>
           <a:prstGeom prst="straightConnector1">
@@ -5150,10 +5150,10 @@
       </p:cxnSp>
       <p:cxnSp>
         <p:nvCxnSpPr>
-          <p:cNvPr id="57" name="Straight Arrow Connector 56">
+          <p:cNvPr id="44" name="Straight Arrow Connector 43">
             <a:extLst>
               <a:ext uri="{FF2B5EF4-FFF2-40B4-BE49-F238E27FC236}">
-                <a16:creationId xmlns:a16="http://schemas.microsoft.com/office/drawing/2014/main" id="{EC53E506-1BC7-4048-B72D-8546DDF1AE6D}"/>
+                <a16:creationId xmlns:a16="http://schemas.microsoft.com/office/drawing/2014/main" id="{94326C57-11F1-4FF7-99F2-46043BE4B409}"/>
               </a:ext>
             </a:extLst>
           </p:cNvPr>
@@ -5164,7 +5164,7 @@
         </p:nvCxnSpPr>
         <p:spPr>
           <a:xfrm flipV="1">
-            <a:off x="244219" y="2005204"/>
+            <a:off x="247077" y="1990914"/>
             <a:ext cx="1954237" cy="0"/>
           </a:xfrm>
           <a:prstGeom prst="straightConnector1">
@@ -5191,10 +5191,10 @@
       </p:cxnSp>
       <p:sp>
         <p:nvSpPr>
-          <p:cNvPr id="58" name="TextBox 57">
+          <p:cNvPr id="45" name="TextBox 44">
             <a:extLst>
               <a:ext uri="{FF2B5EF4-FFF2-40B4-BE49-F238E27FC236}">
-                <a16:creationId xmlns:a16="http://schemas.microsoft.com/office/drawing/2014/main" id="{83FE83AC-F774-4E4F-BBA7-DD11D86C802C}"/>
+                <a16:creationId xmlns:a16="http://schemas.microsoft.com/office/drawing/2014/main" id="{830011B4-BD32-47C1-B497-EC8EC87F0CA1}"/>
               </a:ext>
             </a:extLst>
           </p:cNvPr>
@@ -5203,7 +5203,7 @@
         </p:nvSpPr>
         <p:spPr>
           <a:xfrm>
-            <a:off x="2125724" y="1910293"/>
+            <a:off x="1967159" y="1975760"/>
             <a:ext cx="412628" cy="276999"/>
           </a:xfrm>
           <a:prstGeom prst="rect">
@@ -5228,10 +5228,10 @@
       </p:sp>
       <p:sp>
         <p:nvSpPr>
-          <p:cNvPr id="59" name="TextBox 58">
+          <p:cNvPr id="46" name="TextBox 45">
             <a:extLst>
               <a:ext uri="{FF2B5EF4-FFF2-40B4-BE49-F238E27FC236}">
-                <a16:creationId xmlns:a16="http://schemas.microsoft.com/office/drawing/2014/main" id="{455DD94B-3903-498E-914D-B2431D837637}"/>
+                <a16:creationId xmlns:a16="http://schemas.microsoft.com/office/drawing/2014/main" id="{C9DB6318-537B-4253-8998-AC8172ECA053}"/>
               </a:ext>
             </a:extLst>
           </p:cNvPr>
@@ -5240,7 +5240,7 @@
         </p:nvSpPr>
         <p:spPr>
           <a:xfrm>
-            <a:off x="-108294" y="-29578"/>
+            <a:off x="-105436" y="-43868"/>
             <a:ext cx="433629" cy="276999"/>
           </a:xfrm>
           <a:prstGeom prst="rect">
@@ -5266,10 +5266,10 @@
       </p:sp>
       <p:cxnSp>
         <p:nvCxnSpPr>
-          <p:cNvPr id="60" name="Straight Connector 59">
+          <p:cNvPr id="47" name="Straight Connector 46">
             <a:extLst>
               <a:ext uri="{FF2B5EF4-FFF2-40B4-BE49-F238E27FC236}">
-                <a16:creationId xmlns:a16="http://schemas.microsoft.com/office/drawing/2014/main" id="{66C595CB-911E-4FEF-8169-72EC20CC8B88}"/>
+                <a16:creationId xmlns:a16="http://schemas.microsoft.com/office/drawing/2014/main" id="{DD36F18D-F1EA-4344-93C0-5AF761199864}"/>
               </a:ext>
             </a:extLst>
           </p:cNvPr>
@@ -5278,7 +5278,7 @@
         </p:nvCxnSpPr>
         <p:spPr>
           <a:xfrm>
-            <a:off x="215151" y="1848388"/>
+            <a:off x="218009" y="1834098"/>
             <a:ext cx="72000" cy="0"/>
           </a:xfrm>
           <a:prstGeom prst="line">
@@ -5302,10 +5302,10 @@
       </p:cxnSp>
       <p:cxnSp>
         <p:nvCxnSpPr>
-          <p:cNvPr id="61" name="Straight Connector 60">
+          <p:cNvPr id="48" name="Straight Connector 47">
             <a:extLst>
               <a:ext uri="{FF2B5EF4-FFF2-40B4-BE49-F238E27FC236}">
-                <a16:creationId xmlns:a16="http://schemas.microsoft.com/office/drawing/2014/main" id="{92979A6F-32E5-4B56-899F-38B2D88C39A1}"/>
+                <a16:creationId xmlns:a16="http://schemas.microsoft.com/office/drawing/2014/main" id="{40862878-0F63-4DC7-8ED6-7D5E20710D2F}"/>
               </a:ext>
             </a:extLst>
           </p:cNvPr>
@@ -5314,7 +5314,7 @@
         </p:nvCxnSpPr>
         <p:spPr>
           <a:xfrm>
-            <a:off x="215284" y="1122723"/>
+            <a:off x="218142" y="1108433"/>
             <a:ext cx="72000" cy="0"/>
           </a:xfrm>
           <a:prstGeom prst="line">
@@ -5338,10 +5338,10 @@
       </p:cxnSp>
       <p:cxnSp>
         <p:nvCxnSpPr>
-          <p:cNvPr id="62" name="Straight Connector 61">
+          <p:cNvPr id="49" name="Straight Connector 48">
             <a:extLst>
               <a:ext uri="{FF2B5EF4-FFF2-40B4-BE49-F238E27FC236}">
-                <a16:creationId xmlns:a16="http://schemas.microsoft.com/office/drawing/2014/main" id="{13E2FA48-0D0D-4AB3-98A9-7E27ECE609F2}"/>
+                <a16:creationId xmlns:a16="http://schemas.microsoft.com/office/drawing/2014/main" id="{49B1D31E-D70A-4D4A-A229-44ABFC7C835B}"/>
               </a:ext>
             </a:extLst>
           </p:cNvPr>
@@ -5350,7 +5350,7 @@
         </p:nvCxnSpPr>
         <p:spPr>
           <a:xfrm>
-            <a:off x="215151" y="400761"/>
+            <a:off x="218009" y="386471"/>
             <a:ext cx="72000" cy="0"/>
           </a:xfrm>
           <a:prstGeom prst="line">
@@ -5374,10 +5374,10 @@
       </p:cxnSp>
       <p:cxnSp>
         <p:nvCxnSpPr>
-          <p:cNvPr id="63" name="Straight Connector 62">
+          <p:cNvPr id="50" name="Straight Connector 49">
             <a:extLst>
               <a:ext uri="{FF2B5EF4-FFF2-40B4-BE49-F238E27FC236}">
-                <a16:creationId xmlns:a16="http://schemas.microsoft.com/office/drawing/2014/main" id="{6B8F9658-7F2E-4390-BAFD-37E5DDFEA967}"/>
+                <a16:creationId xmlns:a16="http://schemas.microsoft.com/office/drawing/2014/main" id="{82AA67D9-3FA3-4E98-811F-FFCFE0028445}"/>
               </a:ext>
             </a:extLst>
           </p:cNvPr>
@@ -5388,7 +5388,7 @@
         </p:nvCxnSpPr>
         <p:spPr>
           <a:xfrm rot="5400000">
-            <a:off x="314189" y="2000854"/>
+            <a:off x="317047" y="1986564"/>
             <a:ext cx="72000" cy="0"/>
           </a:xfrm>
           <a:prstGeom prst="line">
@@ -5412,10 +5412,10 @@
       </p:cxnSp>
       <p:cxnSp>
         <p:nvCxnSpPr>
-          <p:cNvPr id="64" name="Straight Connector 63">
+          <p:cNvPr id="51" name="Straight Connector 50">
             <a:extLst>
               <a:ext uri="{FF2B5EF4-FFF2-40B4-BE49-F238E27FC236}">
-                <a16:creationId xmlns:a16="http://schemas.microsoft.com/office/drawing/2014/main" id="{87205DEB-9249-4867-A7BE-B10931A34240}"/>
+                <a16:creationId xmlns:a16="http://schemas.microsoft.com/office/drawing/2014/main" id="{04A9775A-7FDB-409A-A831-71CEB6C0DDFD}"/>
               </a:ext>
             </a:extLst>
           </p:cNvPr>
@@ -5426,7 +5426,7 @@
         </p:nvCxnSpPr>
         <p:spPr>
           <a:xfrm rot="5400000">
-            <a:off x="1041938" y="2000854"/>
+            <a:off x="1044796" y="1986564"/>
             <a:ext cx="72000" cy="0"/>
           </a:xfrm>
           <a:prstGeom prst="line">
@@ -5450,10 +5450,10 @@
       </p:cxnSp>
       <p:sp>
         <p:nvSpPr>
-          <p:cNvPr id="65" name="TextBox 64">
+          <p:cNvPr id="52" name="TextBox 51">
             <a:extLst>
               <a:ext uri="{FF2B5EF4-FFF2-40B4-BE49-F238E27FC236}">
-                <a16:creationId xmlns:a16="http://schemas.microsoft.com/office/drawing/2014/main" id="{5D55E161-7AF3-421B-AED1-6B2489DA16E3}"/>
+                <a16:creationId xmlns:a16="http://schemas.microsoft.com/office/drawing/2014/main" id="{06BB4D3D-71E9-45B5-BEE9-518AF42AFE34}"/>
               </a:ext>
             </a:extLst>
           </p:cNvPr>
@@ -5462,7 +5462,7 @@
         </p:nvSpPr>
         <p:spPr>
           <a:xfrm>
-            <a:off x="-165615" y="1943715"/>
+            <a:off x="-162757" y="1929425"/>
             <a:ext cx="1027952" cy="184666"/>
           </a:xfrm>
           <a:prstGeom prst="rect">
@@ -5488,10 +5488,10 @@
       </p:sp>
       <p:cxnSp>
         <p:nvCxnSpPr>
-          <p:cNvPr id="66" name="Straight Connector 65">
+          <p:cNvPr id="53" name="Straight Connector 52">
             <a:extLst>
               <a:ext uri="{FF2B5EF4-FFF2-40B4-BE49-F238E27FC236}">
-                <a16:creationId xmlns:a16="http://schemas.microsoft.com/office/drawing/2014/main" id="{7F8B411F-7E9C-4F0A-B096-9B2F856F8FFE}"/>
+                <a16:creationId xmlns:a16="http://schemas.microsoft.com/office/drawing/2014/main" id="{31F3956D-D681-46BC-880F-438B544E69EA}"/>
               </a:ext>
             </a:extLst>
           </p:cNvPr>
@@ -5502,7 +5502,7 @@
         </p:nvCxnSpPr>
         <p:spPr>
           <a:xfrm rot="5400000">
-            <a:off x="1761938" y="2000854"/>
+            <a:off x="1764796" y="1986564"/>
             <a:ext cx="72000" cy="0"/>
           </a:xfrm>
           <a:prstGeom prst="line">
@@ -5526,10 +5526,10 @@
       </p:cxnSp>
       <p:sp>
         <p:nvSpPr>
-          <p:cNvPr id="67" name="TextBox 66">
+          <p:cNvPr id="55" name="TextBox 54">
             <a:extLst>
               <a:ext uri="{FF2B5EF4-FFF2-40B4-BE49-F238E27FC236}">
-                <a16:creationId xmlns:a16="http://schemas.microsoft.com/office/drawing/2014/main" id="{760AF49D-A40D-4F37-8AAE-9D69183C8554}"/>
+                <a16:creationId xmlns:a16="http://schemas.microsoft.com/office/drawing/2014/main" id="{7FBC755E-E9A0-47E2-97BD-59F204952363}"/>
               </a:ext>
             </a:extLst>
           </p:cNvPr>
@@ -5538,7 +5538,7 @@
         </p:nvSpPr>
         <p:spPr>
           <a:xfrm>
-            <a:off x="575917" y="1990050"/>
+            <a:off x="578775" y="1975760"/>
             <a:ext cx="1027952" cy="184666"/>
           </a:xfrm>
           <a:prstGeom prst="rect">
@@ -5564,10 +5564,10 @@
       </p:sp>
       <p:sp>
         <p:nvSpPr>
-          <p:cNvPr id="68" name="TextBox 67">
+          <p:cNvPr id="92" name="TextBox 91">
             <a:extLst>
               <a:ext uri="{FF2B5EF4-FFF2-40B4-BE49-F238E27FC236}">
-                <a16:creationId xmlns:a16="http://schemas.microsoft.com/office/drawing/2014/main" id="{5FD4F734-AE57-40B7-813B-C4F82A961795}"/>
+                <a16:creationId xmlns:a16="http://schemas.microsoft.com/office/drawing/2014/main" id="{E70DC808-AA69-407C-B676-C4B0EDE28696}"/>
               </a:ext>
             </a:extLst>
           </p:cNvPr>
@@ -5576,7 +5576,7 @@
         </p:nvSpPr>
         <p:spPr>
           <a:xfrm>
-            <a:off x="1283962" y="1990050"/>
+            <a:off x="1286820" y="1975760"/>
             <a:ext cx="1027952" cy="184666"/>
           </a:xfrm>
           <a:prstGeom prst="rect">
@@ -5602,10 +5602,10 @@
       </p:sp>
       <p:sp>
         <p:nvSpPr>
-          <p:cNvPr id="69" name="TextBox 68">
+          <p:cNvPr id="93" name="TextBox 92">
             <a:extLst>
               <a:ext uri="{FF2B5EF4-FFF2-40B4-BE49-F238E27FC236}">
-                <a16:creationId xmlns:a16="http://schemas.microsoft.com/office/drawing/2014/main" id="{ADBA96B4-D7EB-425B-B650-084EF660C6B3}"/>
+                <a16:creationId xmlns:a16="http://schemas.microsoft.com/office/drawing/2014/main" id="{01C9E1E6-A38C-4B34-AE13-E5B8596141FE}"/>
               </a:ext>
             </a:extLst>
           </p:cNvPr>
@@ -5614,7 +5614,7 @@
         </p:nvSpPr>
         <p:spPr>
           <a:xfrm rot="16200000">
-            <a:off x="-108377" y="1752351"/>
+            <a:off x="-105519" y="1738061"/>
             <a:ext cx="526129" cy="184666"/>
           </a:xfrm>
           <a:prstGeom prst="rect">
@@ -5640,10 +5640,10 @@
       </p:sp>
       <p:sp>
         <p:nvSpPr>
-          <p:cNvPr id="70" name="TextBox 69">
+          <p:cNvPr id="94" name="TextBox 93">
             <a:extLst>
               <a:ext uri="{FF2B5EF4-FFF2-40B4-BE49-F238E27FC236}">
-                <a16:creationId xmlns:a16="http://schemas.microsoft.com/office/drawing/2014/main" id="{A1346620-940A-4B01-BA7C-67D0F90AF6CC}"/>
+                <a16:creationId xmlns:a16="http://schemas.microsoft.com/office/drawing/2014/main" id="{D1B140EA-BFD8-4534-9648-274E7D78D3D4}"/>
               </a:ext>
             </a:extLst>
           </p:cNvPr>
@@ -5652,7 +5652,7 @@
         </p:nvSpPr>
         <p:spPr>
           <a:xfrm rot="16200000">
-            <a:off x="-168214" y="989290"/>
+            <a:off x="-165356" y="975000"/>
             <a:ext cx="553470" cy="276999"/>
           </a:xfrm>
           <a:prstGeom prst="rect">
@@ -5687,10 +5687,10 @@
       </p:sp>
       <p:sp>
         <p:nvSpPr>
-          <p:cNvPr id="71" name="TextBox 70">
+          <p:cNvPr id="95" name="TextBox 94">
             <a:extLst>
               <a:ext uri="{FF2B5EF4-FFF2-40B4-BE49-F238E27FC236}">
-                <a16:creationId xmlns:a16="http://schemas.microsoft.com/office/drawing/2014/main" id="{BB17ECA0-F9A1-416E-8472-C2D804E39918}"/>
+                <a16:creationId xmlns:a16="http://schemas.microsoft.com/office/drawing/2014/main" id="{F0ECD497-6814-49C2-9AA9-B65EA9027F32}"/>
               </a:ext>
             </a:extLst>
           </p:cNvPr>
@@ -5699,7 +5699,7 @@
         </p:nvSpPr>
         <p:spPr>
           <a:xfrm rot="16200000">
-            <a:off x="-117975" y="266189"/>
+            <a:off x="-115117" y="251899"/>
             <a:ext cx="452992" cy="276999"/>
           </a:xfrm>
           <a:prstGeom prst="rect">
@@ -5734,22 +5734,22 @@
       </p:sp>
       <p:cxnSp>
         <p:nvCxnSpPr>
-          <p:cNvPr id="72" name="Straight Connector 71">
+          <p:cNvPr id="96" name="Straight Connector 95">
             <a:extLst>
               <a:ext uri="{FF2B5EF4-FFF2-40B4-BE49-F238E27FC236}">
-                <a16:creationId xmlns:a16="http://schemas.microsoft.com/office/drawing/2014/main" id="{232B7C26-C1E0-4DE5-9089-C32CDC33FC0C}"/>
+                <a16:creationId xmlns:a16="http://schemas.microsoft.com/office/drawing/2014/main" id="{C92BD326-0C1C-4056-B0E5-6AEEC36BD193}"/>
               </a:ext>
             </a:extLst>
           </p:cNvPr>
           <p:cNvCxnSpPr>
             <a:cxnSpLocks/>
-            <a:endCxn id="73" idx="7"/>
+            <a:endCxn id="97" idx="7"/>
           </p:cNvCxnSpPr>
           <p:nvPr/>
         </p:nvCxnSpPr>
         <p:spPr>
           <a:xfrm flipV="1">
-            <a:off x="250783" y="375089"/>
+            <a:off x="253641" y="360799"/>
             <a:ext cx="1572611" cy="1630828"/>
           </a:xfrm>
           <a:prstGeom prst="line">
@@ -5778,10 +5778,10 @@
       </p:cxnSp>
       <p:sp>
         <p:nvSpPr>
-          <p:cNvPr id="73" name="Oval 72">
+          <p:cNvPr id="97" name="Oval 96">
             <a:extLst>
               <a:ext uri="{FF2B5EF4-FFF2-40B4-BE49-F238E27FC236}">
-                <a16:creationId xmlns:a16="http://schemas.microsoft.com/office/drawing/2014/main" id="{52AAD88A-FD71-47B0-8D0C-B5E53DC9BB54}"/>
+                <a16:creationId xmlns:a16="http://schemas.microsoft.com/office/drawing/2014/main" id="{FF23FD7C-1D70-4595-96CF-5382469A2F3C}"/>
               </a:ext>
             </a:extLst>
           </p:cNvPr>
@@ -5790,7 +5790,7 @@
         </p:nvSpPr>
         <p:spPr>
           <a:xfrm>
-            <a:off x="1761938" y="364545"/>
+            <a:off x="1764796" y="350255"/>
             <a:ext cx="72000" cy="72000"/>
           </a:xfrm>
           <a:prstGeom prst="ellipse">
@@ -5830,10 +5830,10 @@
       </p:sp>
       <p:sp>
         <p:nvSpPr>
-          <p:cNvPr id="74" name="Oval 73">
+          <p:cNvPr id="98" name="Oval 97">
             <a:extLst>
               <a:ext uri="{FF2B5EF4-FFF2-40B4-BE49-F238E27FC236}">
-                <a16:creationId xmlns:a16="http://schemas.microsoft.com/office/drawing/2014/main" id="{6A5B6CAD-8ACB-4594-9F53-142EE630EDA1}"/>
+                <a16:creationId xmlns:a16="http://schemas.microsoft.com/office/drawing/2014/main" id="{553FB0A7-85E5-43D3-9792-8901FA8118C6}"/>
               </a:ext>
             </a:extLst>
           </p:cNvPr>
@@ -5842,7 +5842,7 @@
         </p:nvSpPr>
         <p:spPr>
           <a:xfrm>
-            <a:off x="314189" y="1865232"/>
+            <a:off x="317047" y="1850942"/>
             <a:ext cx="72000" cy="72000"/>
           </a:xfrm>
           <a:prstGeom prst="ellipse">
@@ -5882,10 +5882,10 @@
       </p:sp>
       <p:sp>
         <p:nvSpPr>
-          <p:cNvPr id="75" name="Oval 74">
+          <p:cNvPr id="99" name="Oval 98">
             <a:extLst>
               <a:ext uri="{FF2B5EF4-FFF2-40B4-BE49-F238E27FC236}">
-                <a16:creationId xmlns:a16="http://schemas.microsoft.com/office/drawing/2014/main" id="{F0C70E21-8A24-493A-A985-90BE5A907FE5}"/>
+                <a16:creationId xmlns:a16="http://schemas.microsoft.com/office/drawing/2014/main" id="{A2A93E6D-B1B1-42C6-AEE2-A63FA81D703A}"/>
               </a:ext>
             </a:extLst>
           </p:cNvPr>
@@ -5894,7 +5894,7 @@
         </p:nvSpPr>
         <p:spPr>
           <a:xfrm>
-            <a:off x="1053893" y="1115972"/>
+            <a:off x="1056751" y="1101682"/>
             <a:ext cx="72000" cy="72000"/>
           </a:xfrm>
           <a:prstGeom prst="ellipse">
@@ -5934,10 +5934,10 @@
       </p:sp>
       <p:sp>
         <p:nvSpPr>
-          <p:cNvPr id="76" name="TextBox 75">
+          <p:cNvPr id="100" name="TextBox 99">
             <a:extLst>
               <a:ext uri="{FF2B5EF4-FFF2-40B4-BE49-F238E27FC236}">
-                <a16:creationId xmlns:a16="http://schemas.microsoft.com/office/drawing/2014/main" id="{13169475-41C9-4E8E-990F-25D81F758278}"/>
+                <a16:creationId xmlns:a16="http://schemas.microsoft.com/office/drawing/2014/main" id="{33045C71-5992-48B1-AEDA-5F86BFBC177D}"/>
               </a:ext>
             </a:extLst>
           </p:cNvPr>
@@ -5946,7 +5946,7 @@
         </p:nvSpPr>
         <p:spPr>
           <a:xfrm rot="18818324">
-            <a:off x="-68547" y="1033650"/>
+            <a:off x="-65689" y="1019360"/>
             <a:ext cx="2151716" cy="184666"/>
           </a:xfrm>
           <a:prstGeom prst="rect">
@@ -5978,10 +5978,10 @@
       </p:sp>
       <p:sp>
         <p:nvSpPr>
-          <p:cNvPr id="77" name="TextBox 76">
+          <p:cNvPr id="101" name="TextBox 100">
             <a:extLst>
               <a:ext uri="{FF2B5EF4-FFF2-40B4-BE49-F238E27FC236}">
-                <a16:creationId xmlns:a16="http://schemas.microsoft.com/office/drawing/2014/main" id="{E1C75622-4BBD-499F-87DB-EFCCC1BC00D6}"/>
+                <a16:creationId xmlns:a16="http://schemas.microsoft.com/office/drawing/2014/main" id="{0567E51F-2482-4806-9B7F-22EC823DFCB5}"/>
               </a:ext>
             </a:extLst>
           </p:cNvPr>
@@ -5990,7 +5990,7 @@
         </p:nvSpPr>
         <p:spPr>
           <a:xfrm>
-            <a:off x="1785039" y="719105"/>
+            <a:off x="1787897" y="704815"/>
             <a:ext cx="522022" cy="276999"/>
           </a:xfrm>
           <a:prstGeom prst="rect">
@@ -6029,10 +6029,10 @@
       </p:sp>
       <p:sp>
         <p:nvSpPr>
-          <p:cNvPr id="78" name="Oval 77">
+          <p:cNvPr id="102" name="Oval 101">
             <a:extLst>
               <a:ext uri="{FF2B5EF4-FFF2-40B4-BE49-F238E27FC236}">
-                <a16:creationId xmlns:a16="http://schemas.microsoft.com/office/drawing/2014/main" id="{34688262-C933-4E52-AE78-BA2EA9A9C4E6}"/>
+                <a16:creationId xmlns:a16="http://schemas.microsoft.com/office/drawing/2014/main" id="{248A944F-07EF-4592-9761-A9CEF9410400}"/>
               </a:ext>
             </a:extLst>
           </p:cNvPr>
@@ -6041,7 +6041,7 @@
         </p:nvSpPr>
         <p:spPr>
           <a:xfrm>
-            <a:off x="314189" y="1876565"/>
+            <a:off x="317047" y="1862275"/>
             <a:ext cx="72000" cy="72000"/>
           </a:xfrm>
           <a:prstGeom prst="ellipse">
@@ -6081,10 +6081,10 @@
       </p:sp>
       <p:sp>
         <p:nvSpPr>
-          <p:cNvPr id="79" name="TextBox 78">
+          <p:cNvPr id="103" name="TextBox 102">
             <a:extLst>
               <a:ext uri="{FF2B5EF4-FFF2-40B4-BE49-F238E27FC236}">
-                <a16:creationId xmlns:a16="http://schemas.microsoft.com/office/drawing/2014/main" id="{8F3283F6-D039-403B-A0F9-45E9E55697DC}"/>
+                <a16:creationId xmlns:a16="http://schemas.microsoft.com/office/drawing/2014/main" id="{74600B43-8FAE-4294-A0A8-978B986C4B55}"/>
               </a:ext>
             </a:extLst>
           </p:cNvPr>
@@ -6093,7 +6093,7 @@
         </p:nvSpPr>
         <p:spPr>
           <a:xfrm>
-            <a:off x="1111516" y="1288244"/>
+            <a:off x="1114374" y="1273954"/>
             <a:ext cx="452939" cy="276999"/>
           </a:xfrm>
           <a:prstGeom prst="rect">
@@ -6122,10 +6122,10 @@
       </p:sp>
       <p:sp>
         <p:nvSpPr>
-          <p:cNvPr id="80" name="Oval 79">
+          <p:cNvPr id="104" name="Oval 103">
             <a:extLst>
               <a:ext uri="{FF2B5EF4-FFF2-40B4-BE49-F238E27FC236}">
-                <a16:creationId xmlns:a16="http://schemas.microsoft.com/office/drawing/2014/main" id="{B7FF65D1-2EF2-4C31-81E0-3DE72FD270BE}"/>
+                <a16:creationId xmlns:a16="http://schemas.microsoft.com/office/drawing/2014/main" id="{17D12B1E-4BDA-418C-AA6B-E1A86A192593}"/>
               </a:ext>
             </a:extLst>
           </p:cNvPr>
@@ -6134,7 +6134,7 @@
         </p:nvSpPr>
         <p:spPr>
           <a:xfrm>
-            <a:off x="1053893" y="1350572"/>
+            <a:off x="1056751" y="1336282"/>
             <a:ext cx="72000" cy="72000"/>
           </a:xfrm>
           <a:prstGeom prst="ellipse">
@@ -6174,10 +6174,10 @@
       </p:sp>
       <p:sp>
         <p:nvSpPr>
-          <p:cNvPr id="81" name="Oval 80">
+          <p:cNvPr id="105" name="Oval 104">
             <a:extLst>
               <a:ext uri="{FF2B5EF4-FFF2-40B4-BE49-F238E27FC236}">
-                <a16:creationId xmlns:a16="http://schemas.microsoft.com/office/drawing/2014/main" id="{0B41B10F-7C0A-45CE-991F-CD488A66ED8D}"/>
+                <a16:creationId xmlns:a16="http://schemas.microsoft.com/office/drawing/2014/main" id="{6B39BB09-6C48-480B-82C0-D3647BB69256}"/>
               </a:ext>
             </a:extLst>
           </p:cNvPr>
@@ -6186,7 +6186,7 @@
         </p:nvSpPr>
         <p:spPr>
           <a:xfrm>
-            <a:off x="1781869" y="821605"/>
+            <a:off x="1784727" y="807315"/>
             <a:ext cx="72000" cy="72000"/>
           </a:xfrm>
           <a:prstGeom prst="ellipse">
@@ -6226,10 +6226,10 @@
       </p:sp>
       <p:cxnSp>
         <p:nvCxnSpPr>
-          <p:cNvPr id="82" name="Straight Arrow Connector 81">
+          <p:cNvPr id="106" name="Straight Arrow Connector 105">
             <a:extLst>
               <a:ext uri="{FF2B5EF4-FFF2-40B4-BE49-F238E27FC236}">
-                <a16:creationId xmlns:a16="http://schemas.microsoft.com/office/drawing/2014/main" id="{5EFDDD86-4564-405F-9A25-A6635C22A010}"/>
+                <a16:creationId xmlns:a16="http://schemas.microsoft.com/office/drawing/2014/main" id="{434F254E-2117-4582-8BF0-7B9897726E67}"/>
               </a:ext>
             </a:extLst>
           </p:cNvPr>
@@ -6240,7 +6240,7 @@
         </p:nvCxnSpPr>
         <p:spPr>
           <a:xfrm>
-            <a:off x="1323685" y="301268"/>
+            <a:off x="1326543" y="286978"/>
             <a:ext cx="555" cy="183005"/>
           </a:xfrm>
           <a:prstGeom prst="straightConnector1">
@@ -6271,10 +6271,10 @@
       </p:cxnSp>
       <p:cxnSp>
         <p:nvCxnSpPr>
-          <p:cNvPr id="83" name="Straight Connector 82">
+          <p:cNvPr id="107" name="Straight Connector 106">
             <a:extLst>
               <a:ext uri="{FF2B5EF4-FFF2-40B4-BE49-F238E27FC236}">
-                <a16:creationId xmlns:a16="http://schemas.microsoft.com/office/drawing/2014/main" id="{C799B0F9-EEFF-41EC-B1F1-6D91B6B5982D}"/>
+                <a16:creationId xmlns:a16="http://schemas.microsoft.com/office/drawing/2014/main" id="{94FEA3EF-F873-43A7-8E5A-245D31324D36}"/>
               </a:ext>
             </a:extLst>
           </p:cNvPr>
@@ -6285,7 +6285,7 @@
         </p:nvCxnSpPr>
         <p:spPr>
           <a:xfrm>
-            <a:off x="468708" y="300301"/>
+            <a:off x="471566" y="286011"/>
             <a:ext cx="854977" cy="0"/>
           </a:xfrm>
           <a:prstGeom prst="line">
@@ -6314,10 +6314,10 @@
       </p:cxnSp>
       <p:sp>
         <p:nvSpPr>
-          <p:cNvPr id="84" name="TextBox 83">
+          <p:cNvPr id="108" name="TextBox 107">
             <a:extLst>
               <a:ext uri="{FF2B5EF4-FFF2-40B4-BE49-F238E27FC236}">
-                <a16:creationId xmlns:a16="http://schemas.microsoft.com/office/drawing/2014/main" id="{D2A377A8-60A1-453E-B2D2-17DA487DE64F}"/>
+                <a16:creationId xmlns:a16="http://schemas.microsoft.com/office/drawing/2014/main" id="{0A4D2B2C-B74E-45EF-91FF-6A8D1C40E009}"/>
               </a:ext>
             </a:extLst>
           </p:cNvPr>
@@ -6326,7 +6326,7 @@
         </p:nvSpPr>
         <p:spPr>
           <a:xfrm>
-            <a:off x="468708" y="68571"/>
+            <a:off x="471566" y="54281"/>
             <a:ext cx="854977" cy="276999"/>
           </a:xfrm>
           <a:prstGeom prst="rect">
@@ -6355,10 +6355,10 @@
       </p:sp>
       <p:grpSp>
         <p:nvGrpSpPr>
-          <p:cNvPr id="85" name="Group 84">
+          <p:cNvPr id="109" name="Group 108">
             <a:extLst>
               <a:ext uri="{FF2B5EF4-FFF2-40B4-BE49-F238E27FC236}">
-                <a16:creationId xmlns:a16="http://schemas.microsoft.com/office/drawing/2014/main" id="{9A77A76C-13C7-4C88-89C2-ED2F4098AFD2}"/>
+                <a16:creationId xmlns:a16="http://schemas.microsoft.com/office/drawing/2014/main" id="{026B0715-6B15-45FC-AD63-789A988E6D98}"/>
               </a:ext>
             </a:extLst>
           </p:cNvPr>
@@ -6367,7 +6367,7 @@
         </p:nvGrpSpPr>
         <p:grpSpPr>
           <a:xfrm>
-            <a:off x="739274" y="1613571"/>
+            <a:off x="742132" y="1610713"/>
             <a:ext cx="1892675" cy="369332"/>
             <a:chOff x="1421409" y="1615214"/>
             <a:chExt cx="1846453" cy="369332"/>
@@ -6375,10 +6375,10 @@
         </p:grpSpPr>
         <p:sp>
           <p:nvSpPr>
-            <p:cNvPr id="86" name="TextBox 85">
+            <p:cNvPr id="110" name="TextBox 109">
               <a:extLst>
                 <a:ext uri="{FF2B5EF4-FFF2-40B4-BE49-F238E27FC236}">
-                  <a16:creationId xmlns:a16="http://schemas.microsoft.com/office/drawing/2014/main" id="{F8F07290-547E-4D98-AA02-FFFB5A209650}"/>
+                  <a16:creationId xmlns:a16="http://schemas.microsoft.com/office/drawing/2014/main" id="{3AE5FF3F-A5E2-49D0-AF60-5EAE00E271EB}"/>
                 </a:ext>
               </a:extLst>
             </p:cNvPr>
@@ -6434,10 +6434,10 @@
         </p:sp>
         <p:sp>
           <p:nvSpPr>
-            <p:cNvPr id="87" name="Rectangle 86">
+            <p:cNvPr id="111" name="Rectangle 110">
               <a:extLst>
                 <a:ext uri="{FF2B5EF4-FFF2-40B4-BE49-F238E27FC236}">
-                  <a16:creationId xmlns:a16="http://schemas.microsoft.com/office/drawing/2014/main" id="{4DF0116C-BAC4-4AAF-85C8-533D29834AA5}"/>
+                  <a16:creationId xmlns:a16="http://schemas.microsoft.com/office/drawing/2014/main" id="{8DED6899-3583-451D-BDD4-DA4216E2DC28}"/>
                 </a:ext>
               </a:extLst>
             </p:cNvPr>
@@ -6487,10 +6487,10 @@
       </p:grpSp>
       <p:cxnSp>
         <p:nvCxnSpPr>
-          <p:cNvPr id="88" name="Straight Connector 87">
+          <p:cNvPr id="112" name="Straight Connector 111">
             <a:extLst>
               <a:ext uri="{FF2B5EF4-FFF2-40B4-BE49-F238E27FC236}">
-                <a16:creationId xmlns:a16="http://schemas.microsoft.com/office/drawing/2014/main" id="{AB5FC0E0-FE2B-49D5-B8E3-27BAD0F6B8C8}"/>
+                <a16:creationId xmlns:a16="http://schemas.microsoft.com/office/drawing/2014/main" id="{065BDEF6-1166-4E81-B7DF-1B0CDDF53997}"/>
               </a:ext>
             </a:extLst>
           </p:cNvPr>
@@ -6501,7 +6501,7 @@
         </p:nvCxnSpPr>
         <p:spPr>
           <a:xfrm>
-            <a:off x="1198605" y="1305067"/>
+            <a:off x="1198684" y="1296335"/>
             <a:ext cx="296562" cy="0"/>
           </a:xfrm>
           <a:prstGeom prst="line">
@@ -6531,10 +6531,10 @@
       </p:cxnSp>
       <p:cxnSp>
         <p:nvCxnSpPr>
-          <p:cNvPr id="89" name="Straight Connector 88">
+          <p:cNvPr id="113" name="Straight Connector 112">
             <a:extLst>
               <a:ext uri="{FF2B5EF4-FFF2-40B4-BE49-F238E27FC236}">
-                <a16:creationId xmlns:a16="http://schemas.microsoft.com/office/drawing/2014/main" id="{826CA126-2014-492F-97D1-0B4803EE2606}"/>
+                <a16:creationId xmlns:a16="http://schemas.microsoft.com/office/drawing/2014/main" id="{630D7A39-DBCA-4F87-8483-A086DF484A63}"/>
               </a:ext>
             </a:extLst>
           </p:cNvPr>
@@ -6545,7 +6545,7 @@
         </p:nvCxnSpPr>
         <p:spPr>
           <a:xfrm>
-            <a:off x="1492078" y="1088173"/>
+            <a:off x="1486599" y="1079441"/>
             <a:ext cx="0" cy="218378"/>
           </a:xfrm>
           <a:prstGeom prst="line">
@@ -6575,10 +6575,10 @@
       </p:cxnSp>
       <p:sp>
         <p:nvSpPr>
-          <p:cNvPr id="90" name="TextBox 89">
+          <p:cNvPr id="114" name="TextBox 113">
             <a:extLst>
               <a:ext uri="{FF2B5EF4-FFF2-40B4-BE49-F238E27FC236}">
-                <a16:creationId xmlns:a16="http://schemas.microsoft.com/office/drawing/2014/main" id="{2EF23560-5DB9-4409-A3B2-378E414B043D}"/>
+                <a16:creationId xmlns:a16="http://schemas.microsoft.com/office/drawing/2014/main" id="{8CC5A3D6-D6C1-46B7-A94C-AD69694A76CB}"/>
               </a:ext>
             </a:extLst>
           </p:cNvPr>
@@ -6587,7 +6587,7 @@
         </p:nvSpPr>
         <p:spPr>
           <a:xfrm>
-            <a:off x="1451901" y="1053644"/>
+            <a:off x="1431606" y="1054657"/>
             <a:ext cx="950121" cy="276999"/>
           </a:xfrm>
           <a:prstGeom prst="rect">
@@ -6615,10 +6615,10 @@
       </p:sp>
       <p:cxnSp>
         <p:nvCxnSpPr>
-          <p:cNvPr id="91" name="Straight Connector 90">
+          <p:cNvPr id="115" name="Straight Connector 114">
             <a:extLst>
               <a:ext uri="{FF2B5EF4-FFF2-40B4-BE49-F238E27FC236}">
-                <a16:creationId xmlns:a16="http://schemas.microsoft.com/office/drawing/2014/main" id="{D2A76750-F9CD-4A38-A3E6-C70FB5F91EEF}"/>
+                <a16:creationId xmlns:a16="http://schemas.microsoft.com/office/drawing/2014/main" id="{749277E2-D9E6-4647-8BA2-0D2242D550AF}"/>
               </a:ext>
             </a:extLst>
           </p:cNvPr>
@@ -6629,7 +6629,7 @@
         </p:nvCxnSpPr>
         <p:spPr>
           <a:xfrm flipV="1">
-            <a:off x="242569" y="851054"/>
+            <a:off x="245427" y="836764"/>
             <a:ext cx="1574024" cy="1156214"/>
           </a:xfrm>
           <a:prstGeom prst="line">
